--- a/documents/presentation/Navigation in VR Space.pptx
+++ b/documents/presentation/Navigation in VR Space.pptx
@@ -7,11 +7,12 @@
   <p:sldIdLst>
     <p:sldId id="256" r:id="rId2"/>
     <p:sldId id="257" r:id="rId3"/>
-    <p:sldId id="258" r:id="rId4"/>
-    <p:sldId id="259" r:id="rId5"/>
-    <p:sldId id="260" r:id="rId6"/>
-    <p:sldId id="261" r:id="rId7"/>
-    <p:sldId id="262" r:id="rId8"/>
+    <p:sldId id="263" r:id="rId4"/>
+    <p:sldId id="258" r:id="rId5"/>
+    <p:sldId id="259" r:id="rId6"/>
+    <p:sldId id="260" r:id="rId7"/>
+    <p:sldId id="261" r:id="rId8"/>
+    <p:sldId id="262" r:id="rId9"/>
   </p:sldIdLst>
   <p:sldSz cx="12192000" cy="6858000"/>
   <p:notesSz cx="6858000" cy="9144000"/>
@@ -110,6 +111,11 @@
       </a:defRPr>
     </a:lvl9pPr>
   </p:defaultTextStyle>
+  <p:extLst>
+    <p:ext uri="{EFAFB233-063F-42B5-8137-9DF3F51BA10A}">
+      <p15:sldGuideLst xmlns:p15="http://schemas.microsoft.com/office/powerpoint/2012/main"/>
+    </p:ext>
+  </p:extLst>
 </p:presentation>
 </file>
 
@@ -6041,7 +6047,225 @@
           <a:bodyPr/>
           <a:lstStyle/>
           <a:p>
-            <a:endParaRPr lang="de-CH"/>
+            <a:r>
+              <a:rPr lang="de-CH" dirty="0"/>
+              <a:t>Community </a:t>
+            </a:r>
+            <a:r>
+              <a:rPr lang="de-CH" dirty="0" err="1"/>
+              <a:t>provides</a:t>
+            </a:r>
+            <a:r>
+              <a:rPr lang="de-CH" dirty="0"/>
+              <a:t> a </a:t>
+            </a:r>
+            <a:r>
+              <a:rPr lang="de-CH" dirty="0" err="1"/>
+              <a:t>varity</a:t>
+            </a:r>
+            <a:r>
+              <a:rPr lang="de-CH" dirty="0"/>
+              <a:t> </a:t>
+            </a:r>
+            <a:r>
+              <a:rPr lang="de-CH" dirty="0" err="1"/>
+              <a:t>of</a:t>
+            </a:r>
+            <a:r>
+              <a:rPr lang="de-CH" dirty="0"/>
+              <a:t> </a:t>
+            </a:r>
+            <a:r>
+              <a:rPr lang="de-CH" dirty="0" err="1"/>
+              <a:t>navigation</a:t>
+            </a:r>
+            <a:r>
+              <a:rPr lang="de-CH" dirty="0"/>
+              <a:t> </a:t>
+            </a:r>
+            <a:r>
+              <a:rPr lang="de-CH" dirty="0" err="1"/>
+              <a:t>methods</a:t>
+            </a:r>
+            <a:endParaRPr lang="de-CH" dirty="0"/>
+          </a:p>
+          <a:p>
+            <a:r>
+              <a:rPr lang="de-CH" dirty="0" err="1"/>
+              <a:t>Current</a:t>
+            </a:r>
+            <a:r>
+              <a:rPr lang="de-CH" dirty="0"/>
+              <a:t> </a:t>
+            </a:r>
+            <a:r>
+              <a:rPr lang="de-CH" dirty="0" err="1"/>
+              <a:t>concepts</a:t>
+            </a:r>
+            <a:r>
+              <a:rPr lang="de-CH" dirty="0"/>
+              <a:t> not </a:t>
+            </a:r>
+            <a:r>
+              <a:rPr lang="de-CH" dirty="0" err="1"/>
+              <a:t>necessarily</a:t>
+            </a:r>
+            <a:r>
+              <a:rPr lang="de-CH" dirty="0"/>
+              <a:t> </a:t>
+            </a:r>
+            <a:r>
+              <a:rPr lang="de-CH" dirty="0" err="1"/>
+              <a:t>suited</a:t>
+            </a:r>
+            <a:endParaRPr lang="de-CH" dirty="0"/>
+          </a:p>
+          <a:p>
+            <a:pPr lvl="1"/>
+            <a:r>
+              <a:rPr lang="de-CH" dirty="0" err="1"/>
+              <a:t>new</a:t>
+            </a:r>
+            <a:r>
+              <a:rPr lang="de-CH" dirty="0"/>
+              <a:t> </a:t>
+            </a:r>
+            <a:r>
+              <a:rPr lang="de-CH" dirty="0" err="1"/>
+              <a:t>virtual</a:t>
+            </a:r>
+            <a:r>
+              <a:rPr lang="de-CH" dirty="0"/>
+              <a:t> </a:t>
+            </a:r>
+            <a:r>
+              <a:rPr lang="de-CH" dirty="0" err="1"/>
+              <a:t>reality</a:t>
+            </a:r>
+            <a:r>
+              <a:rPr lang="de-CH" dirty="0"/>
+              <a:t> </a:t>
+            </a:r>
+            <a:r>
+              <a:rPr lang="de-CH" dirty="0" err="1"/>
+              <a:t>hardware</a:t>
+            </a:r>
+            <a:r>
+              <a:rPr lang="de-CH" dirty="0"/>
+              <a:t> </a:t>
+            </a:r>
+          </a:p>
+          <a:p>
+            <a:pPr lvl="1"/>
+            <a:r>
+              <a:rPr lang="de-CH" dirty="0" err="1"/>
+              <a:t>usage</a:t>
+            </a:r>
+            <a:r>
+              <a:rPr lang="de-CH" dirty="0"/>
+              <a:t> in </a:t>
+            </a:r>
+            <a:r>
+              <a:rPr lang="de-CH" dirty="0" err="1"/>
+              <a:t>productive</a:t>
+            </a:r>
+            <a:r>
+              <a:rPr lang="de-CH" dirty="0"/>
+              <a:t> </a:t>
+            </a:r>
+            <a:r>
+              <a:rPr lang="de-CH" dirty="0" err="1"/>
+              <a:t>application</a:t>
+            </a:r>
+            <a:r>
+              <a:rPr lang="de-CH" dirty="0"/>
+              <a:t> </a:t>
+            </a:r>
+            <a:r>
+              <a:rPr lang="de-CH" dirty="0" err="1"/>
+              <a:t>with</a:t>
+            </a:r>
+            <a:r>
+              <a:rPr lang="de-CH" dirty="0"/>
+              <a:t> </a:t>
+            </a:r>
+            <a:r>
+              <a:rPr lang="de-CH" dirty="0" err="1"/>
+              <a:t>users</a:t>
+            </a:r>
+            <a:r>
+              <a:rPr lang="de-CH" dirty="0"/>
+              <a:t> </a:t>
+            </a:r>
+            <a:r>
+              <a:rPr lang="de-CH" dirty="0" err="1"/>
+              <a:t>that</a:t>
+            </a:r>
+            <a:r>
+              <a:rPr lang="de-CH" dirty="0"/>
+              <a:t> </a:t>
+            </a:r>
+            <a:r>
+              <a:rPr lang="de-CH" dirty="0" err="1"/>
+              <a:t>have</a:t>
+            </a:r>
+            <a:r>
+              <a:rPr lang="de-CH" dirty="0"/>
+              <a:t> </a:t>
+            </a:r>
+            <a:r>
+              <a:rPr lang="de-CH" dirty="0" err="1"/>
+              <a:t>varying</a:t>
+            </a:r>
+            <a:r>
+              <a:rPr lang="de-CH" dirty="0"/>
+              <a:t> </a:t>
+            </a:r>
+            <a:r>
+              <a:rPr lang="de-CH" dirty="0" err="1"/>
+              <a:t>experience</a:t>
+            </a:r>
+            <a:r>
+              <a:rPr lang="de-CH" dirty="0"/>
+              <a:t> </a:t>
+            </a:r>
+            <a:r>
+              <a:rPr lang="de-CH" dirty="0" err="1"/>
+              <a:t>and</a:t>
+            </a:r>
+            <a:r>
+              <a:rPr lang="de-CH" dirty="0"/>
+              <a:t> </a:t>
+            </a:r>
+            <a:r>
+              <a:rPr lang="de-CH" dirty="0" err="1"/>
+              <a:t>know-how</a:t>
+            </a:r>
+            <a:r>
+              <a:rPr lang="de-CH" dirty="0"/>
+              <a:t> </a:t>
+            </a:r>
+            <a:r>
+              <a:rPr lang="de-CH" dirty="0" err="1"/>
+              <a:t>with</a:t>
+            </a:r>
+            <a:r>
+              <a:rPr lang="de-CH" dirty="0"/>
+              <a:t> </a:t>
+            </a:r>
+            <a:r>
+              <a:rPr lang="de-CH" dirty="0" err="1"/>
+              <a:t>virtual</a:t>
+            </a:r>
+            <a:r>
+              <a:rPr lang="de-CH" dirty="0"/>
+              <a:t> </a:t>
+            </a:r>
+            <a:r>
+              <a:rPr lang="de-CH" dirty="0" err="1"/>
+              <a:t>reality</a:t>
+            </a:r>
+            <a:endParaRPr lang="de-CH" dirty="0"/>
           </a:p>
         </p:txBody>
       </p:sp>
@@ -6092,7 +6316,7 @@
           <a:p>
             <a:r>
               <a:rPr lang="de-CH" dirty="0"/>
-              <a:t>Research</a:t>
+              <a:t>Goals</a:t>
             </a:r>
           </a:p>
         </p:txBody>
@@ -6113,53 +6337,30 @@
           <a:lstStyle/>
           <a:p>
             <a:r>
+              <a:rPr lang="de-CH" dirty="0"/>
+              <a:t>Prototype </a:t>
+            </a:r>
+            <a:r>
               <a:rPr lang="de-CH" dirty="0" err="1"/>
-              <a:t>Various</a:t>
-            </a:r>
-            <a:r>
-              <a:rPr lang="de-CH" dirty="0"/>
-              <a:t> Navigation </a:t>
-            </a:r>
-            <a:r>
-              <a:rPr lang="de-CH" dirty="0" err="1"/>
-              <a:t>Methods</a:t>
-            </a:r>
-            <a:endParaRPr lang="de-CH" dirty="0"/>
-          </a:p>
-          <a:p>
-            <a:r>
-              <a:rPr lang="de-CH" dirty="0"/>
-              <a:t>Game Engine: </a:t>
-            </a:r>
-            <a:r>
-              <a:rPr lang="de-CH" b="1" dirty="0"/>
-              <a:t>Unity3D</a:t>
+              <a:t>implementation</a:t>
             </a:r>
             <a:r>
               <a:rPr lang="de-CH" dirty="0"/>
               <a:t> </a:t>
             </a:r>
+          </a:p>
+          <a:p>
             <a:r>
               <a:rPr lang="de-CH" dirty="0" err="1"/>
-              <a:t>or</a:t>
+              <a:t>Suggestions</a:t>
             </a:r>
             <a:r>
               <a:rPr lang="de-CH" dirty="0"/>
               <a:t> </a:t>
             </a:r>
             <a:r>
-              <a:rPr lang="de-CH" b="1" dirty="0"/>
-              <a:t>UnrealEngine4</a:t>
-            </a:r>
-          </a:p>
-          <a:p>
-            <a:r>
-              <a:rPr lang="de-CH" dirty="0"/>
-              <a:t>VR-Hardware: </a:t>
-            </a:r>
-            <a:r>
-              <a:rPr lang="de-CH" b="1" dirty="0"/>
-              <a:t>HTC Vive</a:t>
+              <a:rPr lang="de-CH" dirty="0" err="1"/>
+              <a:t>about</a:t>
             </a:r>
             <a:r>
               <a:rPr lang="de-CH" dirty="0"/>
@@ -6167,27 +6368,51 @@
             </a:r>
             <a:r>
               <a:rPr lang="de-CH" dirty="0" err="1"/>
-              <a:t>or</a:t>
+              <a:t>the</a:t>
             </a:r>
             <a:r>
               <a:rPr lang="de-CH" dirty="0"/>
               <a:t> </a:t>
             </a:r>
             <a:r>
-              <a:rPr lang="de-CH" b="1" dirty="0" err="1"/>
-              <a:t>Oculus</a:t>
-            </a:r>
-            <a:r>
-              <a:rPr lang="de-CH" b="1" dirty="0"/>
-              <a:t> Rift</a:t>
-            </a:r>
+              <a:rPr lang="de-CH" dirty="0" err="1"/>
+              <a:t>suitability</a:t>
+            </a:r>
+            <a:r>
+              <a:rPr lang="de-CH" dirty="0"/>
+              <a:t> </a:t>
+            </a:r>
+            <a:r>
+              <a:rPr lang="de-CH" dirty="0" err="1"/>
+              <a:t>of</a:t>
+            </a:r>
+            <a:r>
+              <a:rPr lang="de-CH" dirty="0"/>
+              <a:t> </a:t>
+            </a:r>
+            <a:r>
+              <a:rPr lang="de-CH" dirty="0" err="1"/>
+              <a:t>navigation</a:t>
+            </a:r>
+            <a:r>
+              <a:rPr lang="de-CH" dirty="0"/>
+              <a:t> </a:t>
+            </a:r>
+            <a:r>
+              <a:rPr lang="de-CH" dirty="0" err="1"/>
+              <a:t>methods</a:t>
+            </a:r>
+            <a:endParaRPr lang="de-CH" dirty="0"/>
+          </a:p>
+          <a:p>
+            <a:endParaRPr lang="de-CH" dirty="0"/>
           </a:p>
         </p:txBody>
       </p:sp>
     </p:spTree>
     <p:extLst>
       <p:ext uri="{BB962C8B-B14F-4D97-AF65-F5344CB8AC3E}">
-        <p14:creationId xmlns:p14="http://schemas.microsoft.com/office/powerpoint/2010/main" val="2280067956"/>
+        <p14:creationId xmlns:p14="http://schemas.microsoft.com/office/powerpoint/2010/main" val="3145733499"/>
       </p:ext>
     </p:extLst>
   </p:cSld>
@@ -6231,58 +6456,29 @@
           <a:p>
             <a:r>
               <a:rPr lang="de-CH" dirty="0"/>
-              <a:t>Navigation </a:t>
-            </a:r>
+              <a:t>Research</a:t>
+            </a:r>
+          </a:p>
+        </p:txBody>
+      </p:sp>
+      <p:sp>
+        <p:nvSpPr>
+          <p:cNvPr id="3" name="Inhaltsplatzhalter 2"/>
+          <p:cNvSpPr>
+            <a:spLocks noGrp="1"/>
+          </p:cNvSpPr>
+          <p:nvPr>
+            <p:ph idx="1"/>
+          </p:nvPr>
+        </p:nvSpPr>
+        <p:spPr/>
+        <p:txBody>
+          <a:bodyPr/>
+          <a:lstStyle/>
+          <a:p>
             <a:r>
               <a:rPr lang="de-CH" dirty="0" err="1"/>
-              <a:t>Methods</a:t>
-            </a:r>
-            <a:endParaRPr lang="de-CH" dirty="0"/>
-          </a:p>
-        </p:txBody>
-      </p:sp>
-      <p:sp>
-        <p:nvSpPr>
-          <p:cNvPr id="3" name="Inhaltsplatzhalter 2"/>
-          <p:cNvSpPr>
-            <a:spLocks noGrp="1"/>
-          </p:cNvSpPr>
-          <p:nvPr>
-            <p:ph idx="1"/>
-          </p:nvPr>
-        </p:nvSpPr>
-        <p:spPr/>
-        <p:txBody>
-          <a:bodyPr/>
-          <a:lstStyle/>
-          <a:p>
-            <a:r>
-              <a:rPr lang="de-CH" dirty="0" err="1"/>
-              <a:t>Teleport</a:t>
-            </a:r>
-            <a:endParaRPr lang="de-CH" dirty="0"/>
-          </a:p>
-          <a:p>
-            <a:r>
-              <a:rPr lang="de-CH" dirty="0" err="1"/>
-              <a:t>Jumping</a:t>
-            </a:r>
-            <a:endParaRPr lang="de-CH" dirty="0"/>
-          </a:p>
-          <a:p>
-            <a:r>
-              <a:rPr lang="de-CH" dirty="0"/>
-              <a:t>Walking in Place</a:t>
-            </a:r>
-          </a:p>
-          <a:p>
-            <a:r>
-              <a:rPr lang="de-CH" dirty="0"/>
-              <a:t>Walking </a:t>
-            </a:r>
-            <a:r>
-              <a:rPr lang="de-CH" dirty="0" err="1"/>
-              <a:t>by</a:t>
+              <a:t>Various</a:t>
             </a:r>
             <a:r>
               <a:rPr lang="de-CH" dirty="0"/>
@@ -6290,18 +6486,102 @@
             </a:r>
             <a:r>
               <a:rPr lang="de-CH" dirty="0" err="1"/>
-              <a:t>Leaning</a:t>
+              <a:t>navigation</a:t>
+            </a:r>
+            <a:r>
+              <a:rPr lang="de-CH" dirty="0"/>
+              <a:t> </a:t>
+            </a:r>
+            <a:r>
+              <a:rPr lang="de-CH" dirty="0" err="1"/>
+              <a:t>methods</a:t>
             </a:r>
             <a:endParaRPr lang="de-CH" dirty="0"/>
           </a:p>
           <a:p>
             <a:r>
+              <a:rPr lang="de-CH" dirty="0"/>
+              <a:t>Parameters</a:t>
+            </a:r>
+          </a:p>
+          <a:p>
+            <a:r>
+              <a:rPr lang="de-CH" dirty="0"/>
+              <a:t>Game </a:t>
+            </a:r>
+            <a:r>
               <a:rPr lang="de-CH" dirty="0" err="1"/>
-              <a:t>Scaled</a:t>
+              <a:t>engine</a:t>
             </a:r>
             <a:r>
               <a:rPr lang="de-CH" dirty="0"/>
-              <a:t> Walking</a:t>
+              <a:t>: </a:t>
+            </a:r>
+            <a:r>
+              <a:rPr lang="de-CH" b="1" dirty="0"/>
+              <a:t>Unity3D</a:t>
+            </a:r>
+            <a:r>
+              <a:rPr lang="de-CH" dirty="0"/>
+              <a:t> </a:t>
+            </a:r>
+            <a:r>
+              <a:rPr lang="de-CH" dirty="0" err="1"/>
+              <a:t>or</a:t>
+            </a:r>
+            <a:r>
+              <a:rPr lang="de-CH" dirty="0"/>
+              <a:t> </a:t>
+            </a:r>
+            <a:r>
+              <a:rPr lang="de-CH" b="1" dirty="0"/>
+              <a:t>UnrealEngine4</a:t>
+            </a:r>
+          </a:p>
+          <a:p>
+            <a:r>
+              <a:rPr lang="de-CH" dirty="0"/>
+              <a:t>Virtual </a:t>
+            </a:r>
+            <a:r>
+              <a:rPr lang="de-CH" dirty="0" err="1"/>
+              <a:t>reality</a:t>
+            </a:r>
+            <a:r>
+              <a:rPr lang="de-CH" dirty="0"/>
+              <a:t> </a:t>
+            </a:r>
+            <a:r>
+              <a:rPr lang="de-CH" dirty="0" err="1"/>
+              <a:t>hardware</a:t>
+            </a:r>
+            <a:r>
+              <a:rPr lang="de-CH" dirty="0"/>
+              <a:t>: </a:t>
+            </a:r>
+            <a:r>
+              <a:rPr lang="de-CH" b="1" dirty="0"/>
+              <a:t>HTC Vive</a:t>
+            </a:r>
+            <a:r>
+              <a:rPr lang="de-CH" dirty="0"/>
+              <a:t> </a:t>
+            </a:r>
+            <a:r>
+              <a:rPr lang="de-CH" dirty="0" err="1"/>
+              <a:t>or</a:t>
+            </a:r>
+            <a:r>
+              <a:rPr lang="de-CH" dirty="0"/>
+              <a:t> </a:t>
+            </a:r>
+            <a:r>
+              <a:rPr lang="de-CH" b="1" dirty="0" err="1"/>
+              <a:t>Oculus</a:t>
+            </a:r>
+            <a:r>
+              <a:rPr lang="de-CH" b="1" dirty="0"/>
+              <a:t> Rift</a:t>
             </a:r>
           </a:p>
         </p:txBody>
@@ -6309,7 +6589,7 @@
     </p:spTree>
     <p:extLst>
       <p:ext uri="{BB962C8B-B14F-4D97-AF65-F5344CB8AC3E}">
-        <p14:creationId xmlns:p14="http://schemas.microsoft.com/office/powerpoint/2010/main" val="3530850326"/>
+        <p14:creationId xmlns:p14="http://schemas.microsoft.com/office/powerpoint/2010/main" val="2280067956"/>
       </p:ext>
     </p:extLst>
   </p:cSld>
@@ -6353,8 +6633,13 @@
           <a:p>
             <a:r>
               <a:rPr lang="de-CH" dirty="0"/>
-              <a:t>Implementation</a:t>
-            </a:r>
+              <a:t>Navigation </a:t>
+            </a:r>
+            <a:r>
+              <a:rPr lang="de-CH" dirty="0" err="1"/>
+              <a:t>Methods</a:t>
+            </a:r>
+            <a:endParaRPr lang="de-CH" dirty="0"/>
           </a:p>
         </p:txBody>
       </p:sp>
@@ -6373,14 +6658,60 @@
           <a:bodyPr/>
           <a:lstStyle/>
           <a:p>
-            <a:endParaRPr lang="de-CH"/>
+            <a:r>
+              <a:rPr lang="de-CH" dirty="0" err="1"/>
+              <a:t>Teleport</a:t>
+            </a:r>
+            <a:endParaRPr lang="de-CH" dirty="0"/>
+          </a:p>
+          <a:p>
+            <a:r>
+              <a:rPr lang="de-CH" dirty="0" err="1"/>
+              <a:t>Jumping</a:t>
+            </a:r>
+            <a:endParaRPr lang="de-CH" dirty="0"/>
+          </a:p>
+          <a:p>
+            <a:r>
+              <a:rPr lang="de-CH" dirty="0"/>
+              <a:t>Walking in Place</a:t>
+            </a:r>
+          </a:p>
+          <a:p>
+            <a:r>
+              <a:rPr lang="de-CH" dirty="0"/>
+              <a:t>Walking </a:t>
+            </a:r>
+            <a:r>
+              <a:rPr lang="de-CH" dirty="0" err="1"/>
+              <a:t>by</a:t>
+            </a:r>
+            <a:r>
+              <a:rPr lang="de-CH" dirty="0"/>
+              <a:t> </a:t>
+            </a:r>
+            <a:r>
+              <a:rPr lang="de-CH" dirty="0" err="1"/>
+              <a:t>Leaning</a:t>
+            </a:r>
+            <a:endParaRPr lang="de-CH" dirty="0"/>
+          </a:p>
+          <a:p>
+            <a:r>
+              <a:rPr lang="de-CH" dirty="0" err="1"/>
+              <a:t>Scaled</a:t>
+            </a:r>
+            <a:r>
+              <a:rPr lang="de-CH" dirty="0"/>
+              <a:t> Walking</a:t>
+            </a:r>
           </a:p>
         </p:txBody>
       </p:sp>
     </p:spTree>
     <p:extLst>
       <p:ext uri="{BB962C8B-B14F-4D97-AF65-F5344CB8AC3E}">
-        <p14:creationId xmlns:p14="http://schemas.microsoft.com/office/powerpoint/2010/main" val="3630698106"/>
+        <p14:creationId xmlns:p14="http://schemas.microsoft.com/office/powerpoint/2010/main" val="3530850326"/>
       </p:ext>
     </p:extLst>
   </p:cSld>
@@ -6423,10 +6754,9 @@
           <a:lstStyle/>
           <a:p>
             <a:r>
-              <a:rPr lang="de-CH" dirty="0" err="1"/>
-              <a:t>Testing</a:t>
-            </a:r>
-            <a:endParaRPr lang="de-CH" dirty="0"/>
+              <a:rPr lang="de-CH" dirty="0"/>
+              <a:t>Implementation</a:t>
+            </a:r>
           </a:p>
         </p:txBody>
       </p:sp>
@@ -6445,14 +6775,17 @@
           <a:bodyPr/>
           <a:lstStyle/>
           <a:p>
-            <a:endParaRPr lang="de-CH"/>
+            <a:r>
+              <a:rPr lang="de-CH" dirty="0"/>
+              <a:t>Unreal Demo</a:t>
+            </a:r>
           </a:p>
         </p:txBody>
       </p:sp>
     </p:spTree>
     <p:extLst>
       <p:ext uri="{BB962C8B-B14F-4D97-AF65-F5344CB8AC3E}">
-        <p14:creationId xmlns:p14="http://schemas.microsoft.com/office/powerpoint/2010/main" val="2129018102"/>
+        <p14:creationId xmlns:p14="http://schemas.microsoft.com/office/powerpoint/2010/main" val="3630698106"/>
       </p:ext>
     </p:extLst>
   </p:cSld>
@@ -6496,6 +6829,235 @@
           <a:p>
             <a:r>
               <a:rPr lang="de-CH" dirty="0" err="1"/>
+              <a:t>Testing</a:t>
+            </a:r>
+            <a:endParaRPr lang="de-CH" dirty="0"/>
+          </a:p>
+        </p:txBody>
+      </p:sp>
+      <p:sp>
+        <p:nvSpPr>
+          <p:cNvPr id="3" name="Inhaltsplatzhalter 2"/>
+          <p:cNvSpPr>
+            <a:spLocks noGrp="1"/>
+          </p:cNvSpPr>
+          <p:nvPr>
+            <p:ph idx="1"/>
+          </p:nvPr>
+        </p:nvSpPr>
+        <p:spPr/>
+        <p:txBody>
+          <a:bodyPr>
+            <a:normAutofit/>
+          </a:bodyPr>
+          <a:lstStyle/>
+          <a:p>
+            <a:r>
+              <a:rPr lang="de-CH" dirty="0"/>
+              <a:t>Experience </a:t>
+            </a:r>
+            <a:r>
+              <a:rPr lang="de-CH" dirty="0" err="1"/>
+              <a:t>with</a:t>
+            </a:r>
+            <a:r>
+              <a:rPr lang="de-CH" dirty="0"/>
+              <a:t> </a:t>
+            </a:r>
+            <a:r>
+              <a:rPr lang="de-CH" dirty="0" err="1"/>
+              <a:t>virtual</a:t>
+            </a:r>
+            <a:r>
+              <a:rPr lang="de-CH" dirty="0"/>
+              <a:t> </a:t>
+            </a:r>
+            <a:r>
+              <a:rPr lang="de-CH" dirty="0" err="1"/>
+              <a:t>reality</a:t>
+            </a:r>
+            <a:endParaRPr lang="de-CH" dirty="0"/>
+          </a:p>
+          <a:p>
+            <a:pPr lvl="1"/>
+            <a:r>
+              <a:rPr lang="de-CH" dirty="0" err="1"/>
+              <a:t>Two</a:t>
+            </a:r>
+            <a:r>
+              <a:rPr lang="de-CH" dirty="0"/>
+              <a:t> </a:t>
+            </a:r>
+            <a:r>
+              <a:rPr lang="de-CH" dirty="0" err="1"/>
+              <a:t>groups</a:t>
+            </a:r>
+            <a:r>
+              <a:rPr lang="de-CH" dirty="0"/>
+              <a:t> </a:t>
+            </a:r>
+            <a:r>
+              <a:rPr lang="de-CH" dirty="0" err="1"/>
+              <a:t>to</a:t>
+            </a:r>
+            <a:r>
+              <a:rPr lang="de-CH" dirty="0"/>
+              <a:t> </a:t>
+            </a:r>
+            <a:r>
+              <a:rPr lang="de-CH" dirty="0" err="1"/>
+              <a:t>compare</a:t>
+            </a:r>
+            <a:endParaRPr lang="de-CH" dirty="0"/>
+          </a:p>
+          <a:p>
+            <a:r>
+              <a:rPr lang="de-CH" dirty="0"/>
+              <a:t>Quality </a:t>
+            </a:r>
+            <a:r>
+              <a:rPr lang="de-CH" dirty="0" err="1"/>
+              <a:t>Factors</a:t>
+            </a:r>
+            <a:endParaRPr lang="de-CH" dirty="0"/>
+          </a:p>
+          <a:p>
+            <a:pPr lvl="1"/>
+            <a:r>
+              <a:rPr lang="de-CH" dirty="0" err="1"/>
+              <a:t>Ease</a:t>
+            </a:r>
+            <a:r>
+              <a:rPr lang="de-CH" dirty="0"/>
+              <a:t> </a:t>
+            </a:r>
+            <a:r>
+              <a:rPr lang="de-CH" dirty="0" err="1"/>
+              <a:t>of</a:t>
+            </a:r>
+            <a:r>
+              <a:rPr lang="de-CH" dirty="0"/>
+              <a:t> Learning</a:t>
+            </a:r>
+          </a:p>
+          <a:p>
+            <a:pPr lvl="1"/>
+            <a:r>
+              <a:rPr lang="de-CH" dirty="0" err="1"/>
+              <a:t>Ease</a:t>
+            </a:r>
+            <a:r>
+              <a:rPr lang="de-CH" dirty="0"/>
+              <a:t> </a:t>
+            </a:r>
+            <a:r>
+              <a:rPr lang="de-CH" dirty="0" err="1"/>
+              <a:t>of</a:t>
+            </a:r>
+            <a:r>
+              <a:rPr lang="de-CH" dirty="0"/>
+              <a:t> </a:t>
+            </a:r>
+            <a:r>
+              <a:rPr lang="de-CH" dirty="0" err="1"/>
+              <a:t>Use</a:t>
+            </a:r>
+            <a:endParaRPr lang="de-CH" dirty="0"/>
+          </a:p>
+          <a:p>
+            <a:pPr lvl="1"/>
+            <a:r>
+              <a:rPr lang="de-CH" dirty="0" err="1"/>
+              <a:t>Accuracy</a:t>
+            </a:r>
+            <a:endParaRPr lang="de-CH" dirty="0"/>
+          </a:p>
+          <a:p>
+            <a:pPr lvl="1"/>
+            <a:r>
+              <a:rPr lang="de-CH" dirty="0"/>
+              <a:t>Information </a:t>
+            </a:r>
+            <a:r>
+              <a:rPr lang="de-CH" dirty="0" err="1"/>
+              <a:t>Gathering</a:t>
+            </a:r>
+            <a:endParaRPr lang="de-CH" dirty="0"/>
+          </a:p>
+          <a:p>
+            <a:pPr lvl="1"/>
+            <a:r>
+              <a:rPr lang="de-CH" dirty="0"/>
+              <a:t>Speed</a:t>
+            </a:r>
+          </a:p>
+          <a:p>
+            <a:pPr lvl="1"/>
+            <a:r>
+              <a:rPr lang="de-CH" dirty="0"/>
+              <a:t>Presence</a:t>
+            </a:r>
+          </a:p>
+          <a:p>
+            <a:r>
+              <a:rPr lang="de-CH" dirty="0"/>
+              <a:t>14 </a:t>
+            </a:r>
+            <a:r>
+              <a:rPr lang="de-CH" dirty="0" err="1"/>
+              <a:t>participants</a:t>
+            </a:r>
+            <a:endParaRPr lang="de-CH" dirty="0"/>
+          </a:p>
+        </p:txBody>
+      </p:sp>
+    </p:spTree>
+    <p:extLst>
+      <p:ext uri="{BB962C8B-B14F-4D97-AF65-F5344CB8AC3E}">
+        <p14:creationId xmlns:p14="http://schemas.microsoft.com/office/powerpoint/2010/main" val="2129018102"/>
+      </p:ext>
+    </p:extLst>
+  </p:cSld>
+  <p:clrMapOvr>
+    <a:masterClrMapping/>
+  </p:clrMapOvr>
+</p:sld>
+</file>
+
+<file path=ppt/slides/slide8.xml><?xml version="1.0" encoding="utf-8"?>
+<p:sld xmlns:a="http://schemas.openxmlformats.org/drawingml/2006/main" xmlns:r="http://schemas.openxmlformats.org/officeDocument/2006/relationships" xmlns:p="http://schemas.openxmlformats.org/presentationml/2006/main">
+  <p:cSld>
+    <p:spTree>
+      <p:nvGrpSpPr>
+        <p:cNvPr id="1" name=""/>
+        <p:cNvGrpSpPr/>
+        <p:nvPr/>
+      </p:nvGrpSpPr>
+      <p:grpSpPr>
+        <a:xfrm>
+          <a:off x="0" y="0"/>
+          <a:ext cx="0" cy="0"/>
+          <a:chOff x="0" y="0"/>
+          <a:chExt cx="0" cy="0"/>
+        </a:xfrm>
+      </p:grpSpPr>
+      <p:sp>
+        <p:nvSpPr>
+          <p:cNvPr id="2" name="Titel 1"/>
+          <p:cNvSpPr>
+            <a:spLocks noGrp="1"/>
+          </p:cNvSpPr>
+          <p:nvPr>
+            <p:ph type="title"/>
+          </p:nvPr>
+        </p:nvSpPr>
+        <p:spPr/>
+        <p:txBody>
+          <a:bodyPr/>
+          <a:lstStyle/>
+          <a:p>
+            <a:r>
+              <a:rPr lang="de-CH" dirty="0" err="1"/>
               <a:t>Conclusion</a:t>
             </a:r>
             <a:endParaRPr lang="de-CH" dirty="0"/>
@@ -6517,7 +7079,7 @@
           <a:bodyPr/>
           <a:lstStyle/>
           <a:p>
-            <a:endParaRPr lang="de-CH"/>
+            <a:endParaRPr lang="de-CH" dirty="0"/>
           </a:p>
         </p:txBody>
       </p:sp>

--- a/documents/presentation/Navigation in VR Space.pptx
+++ b/documents/presentation/Navigation in VR Space.pptx
@@ -13,6 +13,7 @@
     <p:sldId id="260" r:id="rId7"/>
     <p:sldId id="261" r:id="rId8"/>
     <p:sldId id="262" r:id="rId9"/>
+    <p:sldId id="264" r:id="rId10"/>
   </p:sldIdLst>
   <p:sldSz cx="12192000" cy="6858000"/>
   <p:notesSz cx="6858000" cy="9144000"/>
@@ -302,7 +303,7 @@
           <a:p>
             <a:fld id="{4AAD347D-5ACD-4C99-B74B-A9C85AD731AF}" type="datetimeFigureOut">
               <a:rPr lang="en-US" dirty="0"/>
-              <a:t>1/26/2017</a:t>
+              <a:t>1/27/2017</a:t>
             </a:fld>
             <a:endParaRPr lang="en-US" dirty="0"/>
           </a:p>
@@ -344,7 +345,7 @@
           <a:p>
             <a:fld id="{D57F1E4F-1CFF-5643-939E-02111984F565}" type="slidenum">
               <a:rPr lang="en-US" dirty="0"/>
-              <a:t>‹Nr.›</a:t>
+              <a:t>‹#›</a:t>
             </a:fld>
             <a:endParaRPr lang="en-US" dirty="0"/>
           </a:p>
@@ -572,7 +573,7 @@
           <a:p>
             <a:fld id="{4509A250-FF31-4206-8172-F9D3106AACB1}" type="datetimeFigureOut">
               <a:rPr lang="en-US" dirty="0"/>
-              <a:t>1/26/2017</a:t>
+              <a:t>1/27/2017</a:t>
             </a:fld>
             <a:endParaRPr lang="en-US" dirty="0"/>
           </a:p>
@@ -614,7 +615,7 @@
           <a:p>
             <a:fld id="{D57F1E4F-1CFF-5643-939E-02111984F565}" type="slidenum">
               <a:rPr lang="en-US" dirty="0"/>
-              <a:t>‹Nr.›</a:t>
+              <a:t>‹#›</a:t>
             </a:fld>
             <a:endParaRPr lang="en-US" dirty="0"/>
           </a:p>
@@ -761,7 +762,7 @@
           <a:p>
             <a:fld id="{4509A250-FF31-4206-8172-F9D3106AACB1}" type="datetimeFigureOut">
               <a:rPr lang="en-US" dirty="0"/>
-              <a:t>1/26/2017</a:t>
+              <a:t>1/27/2017</a:t>
             </a:fld>
             <a:endParaRPr lang="en-US" dirty="0"/>
           </a:p>
@@ -803,7 +804,7 @@
           <a:p>
             <a:fld id="{D57F1E4F-1CFF-5643-939E-02111984F565}" type="slidenum">
               <a:rPr lang="en-US" dirty="0"/>
-              <a:t>‹Nr.›</a:t>
+              <a:t>‹#›</a:t>
             </a:fld>
             <a:endParaRPr lang="en-US" dirty="0"/>
           </a:p>
@@ -1024,7 +1025,7 @@
           <a:p>
             <a:fld id="{4509A250-FF31-4206-8172-F9D3106AACB1}" type="datetimeFigureOut">
               <a:rPr lang="en-US" dirty="0"/>
-              <a:t>1/26/2017</a:t>
+              <a:t>1/27/2017</a:t>
             </a:fld>
             <a:endParaRPr lang="en-US" dirty="0"/>
           </a:p>
@@ -1066,7 +1067,7 @@
           <a:p>
             <a:fld id="{D57F1E4F-1CFF-5643-939E-02111984F565}" type="slidenum">
               <a:rPr lang="en-US" dirty="0"/>
-              <a:t>‹Nr.›</a:t>
+              <a:t>‹#›</a:t>
             </a:fld>
             <a:endParaRPr lang="en-US" dirty="0"/>
           </a:p>
@@ -1351,7 +1352,7 @@
           <a:p>
             <a:fld id="{4509A250-FF31-4206-8172-F9D3106AACB1}" type="datetimeFigureOut">
               <a:rPr lang="en-US" dirty="0"/>
-              <a:t>1/26/2017</a:t>
+              <a:t>1/27/2017</a:t>
             </a:fld>
             <a:endParaRPr lang="en-US" dirty="0"/>
           </a:p>
@@ -1393,7 +1394,7 @@
           <a:p>
             <a:fld id="{D57F1E4F-1CFF-5643-939E-02111984F565}" type="slidenum">
               <a:rPr lang="en-US" dirty="0"/>
-              <a:t>‹Nr.›</a:t>
+              <a:t>‹#›</a:t>
             </a:fld>
             <a:endParaRPr lang="en-US" dirty="0"/>
           </a:p>
@@ -1956,7 +1957,7 @@
           <a:p>
             <a:fld id="{4509A250-FF31-4206-8172-F9D3106AACB1}" type="datetimeFigureOut">
               <a:rPr lang="en-US" dirty="0"/>
-              <a:t>1/26/2017</a:t>
+              <a:t>1/27/2017</a:t>
             </a:fld>
             <a:endParaRPr lang="en-US" dirty="0"/>
           </a:p>
@@ -1998,7 +1999,7 @@
           <a:p>
             <a:fld id="{D57F1E4F-1CFF-5643-939E-02111984F565}" type="slidenum">
               <a:rPr lang="en-US" dirty="0"/>
-              <a:t>‹Nr.›</a:t>
+              <a:t>‹#›</a:t>
             </a:fld>
             <a:endParaRPr lang="en-US" dirty="0"/>
           </a:p>
@@ -2798,7 +2799,7 @@
           <a:p>
             <a:fld id="{4509A250-FF31-4206-8172-F9D3106AACB1}" type="datetimeFigureOut">
               <a:rPr lang="en-US" dirty="0"/>
-              <a:t>1/26/2017</a:t>
+              <a:t>1/27/2017</a:t>
             </a:fld>
             <a:endParaRPr lang="en-US" dirty="0"/>
           </a:p>
@@ -2840,7 +2841,7 @@
           <a:p>
             <a:fld id="{D57F1E4F-1CFF-5643-939E-02111984F565}" type="slidenum">
               <a:rPr lang="en-US" dirty="0"/>
-              <a:t>‹Nr.›</a:t>
+              <a:t>‹#›</a:t>
             </a:fld>
             <a:endParaRPr lang="en-US" dirty="0"/>
           </a:p>
@@ -2963,7 +2964,7 @@
           <a:p>
             <a:fld id="{4509A250-FF31-4206-8172-F9D3106AACB1}" type="datetimeFigureOut">
               <a:rPr lang="en-US" dirty="0"/>
-              <a:t>1/26/2017</a:t>
+              <a:t>1/27/2017</a:t>
             </a:fld>
             <a:endParaRPr lang="en-US" dirty="0"/>
           </a:p>
@@ -3005,7 +3006,7 @@
           <a:p>
             <a:fld id="{D57F1E4F-1CFF-5643-939E-02111984F565}" type="slidenum">
               <a:rPr lang="en-US" dirty="0"/>
-              <a:t>‹Nr.›</a:t>
+              <a:t>‹#›</a:t>
             </a:fld>
             <a:endParaRPr lang="en-US" dirty="0"/>
           </a:p>
@@ -3138,7 +3139,7 @@
           <a:p>
             <a:fld id="{4509A250-FF31-4206-8172-F9D3106AACB1}" type="datetimeFigureOut">
               <a:rPr lang="en-US" dirty="0"/>
-              <a:t>1/26/2017</a:t>
+              <a:t>1/27/2017</a:t>
             </a:fld>
             <a:endParaRPr lang="en-US" dirty="0"/>
           </a:p>
@@ -3180,7 +3181,7 @@
           <a:p>
             <a:fld id="{D57F1E4F-1CFF-5643-939E-02111984F565}" type="slidenum">
               <a:rPr lang="en-US" dirty="0"/>
-              <a:t>‹Nr.›</a:t>
+              <a:t>‹#›</a:t>
             </a:fld>
             <a:endParaRPr lang="en-US" dirty="0"/>
           </a:p>
@@ -3303,7 +3304,7 @@
           <a:p>
             <a:fld id="{4509A250-FF31-4206-8172-F9D3106AACB1}" type="datetimeFigureOut">
               <a:rPr lang="en-US" dirty="0"/>
-              <a:t>1/26/2017</a:t>
+              <a:t>1/27/2017</a:t>
             </a:fld>
             <a:endParaRPr lang="en-US" dirty="0"/>
           </a:p>
@@ -3345,7 +3346,7 @@
           <a:p>
             <a:fld id="{D57F1E4F-1CFF-5643-939E-02111984F565}" type="slidenum">
               <a:rPr lang="en-US" dirty="0"/>
-              <a:t>‹Nr.›</a:t>
+              <a:t>‹#›</a:t>
             </a:fld>
             <a:endParaRPr lang="en-US" dirty="0"/>
           </a:p>
@@ -3542,7 +3543,7 @@
           <a:p>
             <a:fld id="{4509A250-FF31-4206-8172-F9D3106AACB1}" type="datetimeFigureOut">
               <a:rPr lang="en-US" dirty="0"/>
-              <a:t>1/26/2017</a:t>
+              <a:t>1/27/2017</a:t>
             </a:fld>
             <a:endParaRPr lang="en-US" dirty="0"/>
           </a:p>
@@ -3584,7 +3585,7 @@
           <a:p>
             <a:fld id="{D57F1E4F-1CFF-5643-939E-02111984F565}" type="slidenum">
               <a:rPr lang="en-US" dirty="0"/>
-              <a:t>‹Nr.›</a:t>
+              <a:t>‹#›</a:t>
             </a:fld>
             <a:endParaRPr lang="en-US" dirty="0"/>
           </a:p>
@@ -3829,7 +3830,7 @@
           <a:p>
             <a:fld id="{4509A250-FF31-4206-8172-F9D3106AACB1}" type="datetimeFigureOut">
               <a:rPr lang="en-US" dirty="0"/>
-              <a:t>1/26/2017</a:t>
+              <a:t>1/27/2017</a:t>
             </a:fld>
             <a:endParaRPr lang="en-US" dirty="0"/>
           </a:p>
@@ -3871,7 +3872,7 @@
           <a:p>
             <a:fld id="{D57F1E4F-1CFF-5643-939E-02111984F565}" type="slidenum">
               <a:rPr lang="en-US" dirty="0"/>
-              <a:t>‹Nr.›</a:t>
+              <a:t>‹#›</a:t>
             </a:fld>
             <a:endParaRPr lang="en-US" dirty="0"/>
           </a:p>
@@ -4262,7 +4263,7 @@
           <a:p>
             <a:fld id="{4509A250-FF31-4206-8172-F9D3106AACB1}" type="datetimeFigureOut">
               <a:rPr lang="en-US" dirty="0"/>
-              <a:t>1/26/2017</a:t>
+              <a:t>1/27/2017</a:t>
             </a:fld>
             <a:endParaRPr lang="en-US" dirty="0"/>
           </a:p>
@@ -4304,7 +4305,7 @@
           <a:p>
             <a:fld id="{D57F1E4F-1CFF-5643-939E-02111984F565}" type="slidenum">
               <a:rPr lang="en-US" dirty="0"/>
-              <a:t>‹Nr.›</a:t>
+              <a:t>‹#›</a:t>
             </a:fld>
             <a:endParaRPr lang="en-US" dirty="0"/>
           </a:p>
@@ -4375,7 +4376,7 @@
           <a:p>
             <a:fld id="{4509A250-FF31-4206-8172-F9D3106AACB1}" type="datetimeFigureOut">
               <a:rPr lang="en-US" dirty="0"/>
-              <a:t>1/26/2017</a:t>
+              <a:t>1/27/2017</a:t>
             </a:fld>
             <a:endParaRPr lang="en-US" dirty="0"/>
           </a:p>
@@ -4417,7 +4418,7 @@
           <a:p>
             <a:fld id="{D57F1E4F-1CFF-5643-939E-02111984F565}" type="slidenum">
               <a:rPr lang="en-US" dirty="0"/>
-              <a:t>‹Nr.›</a:t>
+              <a:t>‹#›</a:t>
             </a:fld>
             <a:endParaRPr lang="en-US" dirty="0"/>
           </a:p>
@@ -4465,7 +4466,7 @@
           <a:p>
             <a:fld id="{4509A250-FF31-4206-8172-F9D3106AACB1}" type="datetimeFigureOut">
               <a:rPr lang="en-US" dirty="0"/>
-              <a:t>1/26/2017</a:t>
+              <a:t>1/27/2017</a:t>
             </a:fld>
             <a:endParaRPr lang="en-US" dirty="0"/>
           </a:p>
@@ -4507,7 +4508,7 @@
           <a:p>
             <a:fld id="{D57F1E4F-1CFF-5643-939E-02111984F565}" type="slidenum">
               <a:rPr lang="en-US" dirty="0"/>
-              <a:t>‹Nr.›</a:t>
+              <a:t>‹#›</a:t>
             </a:fld>
             <a:endParaRPr lang="en-US" dirty="0"/>
           </a:p>
@@ -4739,7 +4740,7 @@
           <a:p>
             <a:fld id="{4509A250-FF31-4206-8172-F9D3106AACB1}" type="datetimeFigureOut">
               <a:rPr lang="en-US" dirty="0"/>
-              <a:t>1/26/2017</a:t>
+              <a:t>1/27/2017</a:t>
             </a:fld>
             <a:endParaRPr lang="en-US" dirty="0"/>
           </a:p>
@@ -4781,7 +4782,7 @@
           <a:p>
             <a:fld id="{D57F1E4F-1CFF-5643-939E-02111984F565}" type="slidenum">
               <a:rPr lang="en-US" dirty="0"/>
-              <a:t>‹Nr.›</a:t>
+              <a:t>‹#›</a:t>
             </a:fld>
             <a:endParaRPr lang="en-US" dirty="0"/>
           </a:p>
@@ -5009,7 +5010,7 @@
           <a:p>
             <a:fld id="{4509A250-FF31-4206-8172-F9D3106AACB1}" type="datetimeFigureOut">
               <a:rPr lang="en-US" dirty="0"/>
-              <a:t>1/26/2017</a:t>
+              <a:t>1/27/2017</a:t>
             </a:fld>
             <a:endParaRPr lang="en-US" dirty="0"/>
           </a:p>
@@ -5051,7 +5052,7 @@
           <a:p>
             <a:fld id="{D57F1E4F-1CFF-5643-939E-02111984F565}" type="slidenum">
               <a:rPr lang="en-US" dirty="0"/>
-              <a:t>‹Nr.›</a:t>
+              <a:t>‹#›</a:t>
             </a:fld>
             <a:endParaRPr lang="en-US" dirty="0"/>
           </a:p>
@@ -5433,7 +5434,7 @@
           <a:p>
             <a:fld id="{4509A250-FF31-4206-8172-F9D3106AACB1}" type="datetimeFigureOut">
               <a:rPr lang="en-US" dirty="0"/>
-              <a:t>1/26/2017</a:t>
+              <a:t>1/27/2017</a:t>
             </a:fld>
             <a:endParaRPr lang="en-US" dirty="0"/>
           </a:p>
@@ -5512,7 +5513,7 @@
           <a:p>
             <a:fld id="{D57F1E4F-1CFF-5643-939E-02111984F565}" type="slidenum">
               <a:rPr lang="en-US" dirty="0"/>
-              <a:t>‹Nr.›</a:t>
+              <a:t>‹#›</a:t>
             </a:fld>
             <a:endParaRPr lang="en-US" dirty="0"/>
           </a:p>
@@ -6091,181 +6092,30 @@
           </a:p>
           <a:p>
             <a:r>
-              <a:rPr lang="de-CH" dirty="0" err="1"/>
-              <a:t>Current</a:t>
-            </a:r>
-            <a:r>
               <a:rPr lang="de-CH" dirty="0"/>
-              <a:t> </a:t>
-            </a:r>
-            <a:r>
-              <a:rPr lang="de-CH" dirty="0" err="1"/>
-              <a:t>concepts</a:t>
-            </a:r>
+              <a:t>Current concepts not necessarily suited </a:t>
+            </a:r>
+          </a:p>
+          <a:p>
+            <a:pPr lvl="1"/>
             <a:r>
               <a:rPr lang="de-CH" dirty="0"/>
-              <a:t> not </a:t>
-            </a:r>
-            <a:r>
-              <a:rPr lang="de-CH" dirty="0" err="1"/>
-              <a:t>necessarily</a:t>
-            </a:r>
+              <a:t>New virtual reality hardware </a:t>
+            </a:r>
+          </a:p>
+          <a:p>
+            <a:pPr lvl="1"/>
             <a:r>
               <a:rPr lang="de-CH" dirty="0"/>
-              <a:t> </a:t>
-            </a:r>
-            <a:r>
-              <a:rPr lang="de-CH" dirty="0" err="1"/>
-              <a:t>suited</a:t>
-            </a:r>
-            <a:endParaRPr lang="de-CH" dirty="0"/>
+              <a:t>Technical research</a:t>
+            </a:r>
           </a:p>
           <a:p>
             <a:pPr lvl="1"/>
             <a:r>
-              <a:rPr lang="de-CH" dirty="0" err="1"/>
-              <a:t>new</a:t>
-            </a:r>
-            <a:r>
               <a:rPr lang="de-CH" dirty="0"/>
-              <a:t> </a:t>
-            </a:r>
-            <a:r>
-              <a:rPr lang="de-CH" dirty="0" err="1"/>
-              <a:t>virtual</a:t>
-            </a:r>
-            <a:r>
-              <a:rPr lang="de-CH" dirty="0"/>
-              <a:t> </a:t>
-            </a:r>
-            <a:r>
-              <a:rPr lang="de-CH" dirty="0" err="1"/>
-              <a:t>reality</a:t>
-            </a:r>
-            <a:r>
-              <a:rPr lang="de-CH" dirty="0"/>
-              <a:t> </a:t>
-            </a:r>
-            <a:r>
-              <a:rPr lang="de-CH" dirty="0" err="1"/>
-              <a:t>hardware</a:t>
-            </a:r>
-            <a:r>
-              <a:rPr lang="de-CH" dirty="0"/>
-              <a:t> </a:t>
-            </a:r>
-          </a:p>
-          <a:p>
-            <a:pPr lvl="1"/>
-            <a:r>
-              <a:rPr lang="de-CH" dirty="0" err="1"/>
-              <a:t>usage</a:t>
-            </a:r>
-            <a:r>
-              <a:rPr lang="de-CH" dirty="0"/>
-              <a:t> in </a:t>
-            </a:r>
-            <a:r>
-              <a:rPr lang="de-CH" dirty="0" err="1"/>
-              <a:t>productive</a:t>
-            </a:r>
-            <a:r>
-              <a:rPr lang="de-CH" dirty="0"/>
-              <a:t> </a:t>
-            </a:r>
-            <a:r>
-              <a:rPr lang="de-CH" dirty="0" err="1"/>
-              <a:t>application</a:t>
-            </a:r>
-            <a:r>
-              <a:rPr lang="de-CH" dirty="0"/>
-              <a:t> </a:t>
-            </a:r>
-            <a:r>
-              <a:rPr lang="de-CH" dirty="0" err="1"/>
-              <a:t>with</a:t>
-            </a:r>
-            <a:r>
-              <a:rPr lang="de-CH" dirty="0"/>
-              <a:t> </a:t>
-            </a:r>
-            <a:r>
-              <a:rPr lang="de-CH" dirty="0" err="1"/>
-              <a:t>users</a:t>
-            </a:r>
-            <a:r>
-              <a:rPr lang="de-CH" dirty="0"/>
-              <a:t> </a:t>
-            </a:r>
-            <a:r>
-              <a:rPr lang="de-CH" dirty="0" err="1"/>
-              <a:t>that</a:t>
-            </a:r>
-            <a:r>
-              <a:rPr lang="de-CH" dirty="0"/>
-              <a:t> </a:t>
-            </a:r>
-            <a:r>
-              <a:rPr lang="de-CH" dirty="0" err="1"/>
-              <a:t>have</a:t>
-            </a:r>
-            <a:r>
-              <a:rPr lang="de-CH" dirty="0"/>
-              <a:t> </a:t>
-            </a:r>
-            <a:r>
-              <a:rPr lang="de-CH" dirty="0" err="1"/>
-              <a:t>varying</a:t>
-            </a:r>
-            <a:r>
-              <a:rPr lang="de-CH" dirty="0"/>
-              <a:t> </a:t>
-            </a:r>
-            <a:r>
-              <a:rPr lang="de-CH" dirty="0" err="1"/>
-              <a:t>experience</a:t>
-            </a:r>
-            <a:r>
-              <a:rPr lang="de-CH" dirty="0"/>
-              <a:t> </a:t>
-            </a:r>
-            <a:r>
-              <a:rPr lang="de-CH" dirty="0" err="1"/>
-              <a:t>and</a:t>
-            </a:r>
-            <a:r>
-              <a:rPr lang="de-CH" dirty="0"/>
-              <a:t> </a:t>
-            </a:r>
-            <a:r>
-              <a:rPr lang="de-CH" dirty="0" err="1"/>
-              <a:t>know-how</a:t>
-            </a:r>
-            <a:r>
-              <a:rPr lang="de-CH" dirty="0"/>
-              <a:t> </a:t>
-            </a:r>
-            <a:r>
-              <a:rPr lang="de-CH" dirty="0" err="1"/>
-              <a:t>with</a:t>
-            </a:r>
-            <a:r>
-              <a:rPr lang="de-CH" dirty="0"/>
-              <a:t> </a:t>
-            </a:r>
-            <a:r>
-              <a:rPr lang="de-CH" dirty="0" err="1"/>
-              <a:t>virtual</a:t>
-            </a:r>
-            <a:r>
-              <a:rPr lang="de-CH" dirty="0"/>
-              <a:t> </a:t>
-            </a:r>
-            <a:r>
-              <a:rPr lang="de-CH" dirty="0" err="1"/>
-              <a:t>reality</a:t>
-            </a:r>
-            <a:endParaRPr lang="de-CH" dirty="0"/>
+              <a:t>Usage in productive application with users that have varying experience and know-how with virtual reality</a:t>
+            </a:r>
           </a:p>
         </p:txBody>
       </p:sp>
@@ -6351,56 +6201,12 @@
           </a:p>
           <a:p>
             <a:r>
-              <a:rPr lang="de-CH" dirty="0" err="1"/>
-              <a:t>Suggestions</a:t>
-            </a:r>
-            <a:r>
               <a:rPr lang="de-CH" dirty="0"/>
-              <a:t> </a:t>
-            </a:r>
-            <a:r>
-              <a:rPr lang="de-CH" dirty="0" err="1"/>
-              <a:t>about</a:t>
-            </a:r>
-            <a:r>
-              <a:rPr lang="de-CH" dirty="0"/>
-              <a:t> </a:t>
-            </a:r>
-            <a:r>
-              <a:rPr lang="de-CH" dirty="0" err="1"/>
-              <a:t>the</a:t>
-            </a:r>
-            <a:r>
-              <a:rPr lang="de-CH" dirty="0"/>
-              <a:t> </a:t>
-            </a:r>
-            <a:r>
-              <a:rPr lang="de-CH" dirty="0" err="1"/>
-              <a:t>suitability</a:t>
-            </a:r>
-            <a:r>
-              <a:rPr lang="de-CH" dirty="0"/>
-              <a:t> </a:t>
-            </a:r>
-            <a:r>
-              <a:rPr lang="de-CH" dirty="0" err="1"/>
-              <a:t>of</a:t>
-            </a:r>
-            <a:r>
-              <a:rPr lang="de-CH" dirty="0"/>
-              <a:t> </a:t>
-            </a:r>
-            <a:r>
-              <a:rPr lang="de-CH" dirty="0" err="1"/>
-              <a:t>navigation</a:t>
-            </a:r>
-            <a:r>
-              <a:rPr lang="de-CH" dirty="0"/>
-              <a:t> </a:t>
-            </a:r>
-            <a:r>
-              <a:rPr lang="de-CH" dirty="0" err="1"/>
-              <a:t>methods</a:t>
+              <a:t>Suggestions about the suitability of </a:t>
+            </a:r>
+            <a:r>
+              <a:rPr lang="de-CH"/>
+              <a:t>navigation methods</a:t>
             </a:r>
             <a:endParaRPr lang="de-CH" dirty="0"/>
           </a:p>
@@ -7079,14 +6885,151 @@
           <a:bodyPr/>
           <a:lstStyle/>
           <a:p>
+            <a:r>
+              <a:rPr lang="de-CH" dirty="0"/>
+              <a:t>Information Gathering is in favour with Walking in Place and Walking by Leaning (Is also speed dependent).</a:t>
+            </a:r>
+          </a:p>
+          <a:p>
             <a:endParaRPr lang="de-CH" dirty="0"/>
           </a:p>
-        </p:txBody>
-      </p:sp>
+          <a:p>
+            <a:endParaRPr lang="de-CH" dirty="0"/>
+          </a:p>
+          <a:p>
+            <a:endParaRPr lang="de-CH" dirty="0"/>
+          </a:p>
+          <a:p>
+            <a:endParaRPr lang="de-CH" dirty="0"/>
+          </a:p>
+          <a:p>
+            <a:r>
+              <a:rPr lang="de-CH" dirty="0"/>
+              <a:t>Build navigation method first, then base game around it.</a:t>
+            </a:r>
+          </a:p>
+          <a:p>
+            <a:endParaRPr lang="de-CH" dirty="0"/>
+          </a:p>
+        </p:txBody>
+      </p:sp>
+      <p:pic>
+        <p:nvPicPr>
+          <p:cNvPr id="4" name="Picture 3"/>
+          <p:cNvPicPr>
+            <a:picLocks noChangeAspect="1"/>
+          </p:cNvPicPr>
+          <p:nvPr/>
+        </p:nvPicPr>
+        <p:blipFill>
+          <a:blip r:embed="rId2"/>
+          <a:stretch>
+            <a:fillRect/>
+          </a:stretch>
+        </p:blipFill>
+        <p:spPr>
+          <a:xfrm>
+            <a:off x="3023882" y="2834998"/>
+            <a:ext cx="5105400" cy="1590675"/>
+          </a:xfrm>
+          <a:prstGeom prst="rect">
+            <a:avLst/>
+          </a:prstGeom>
+        </p:spPr>
+      </p:pic>
     </p:spTree>
     <p:extLst>
       <p:ext uri="{BB962C8B-B14F-4D97-AF65-F5344CB8AC3E}">
         <p14:creationId xmlns:p14="http://schemas.microsoft.com/office/powerpoint/2010/main" val="106163717"/>
+      </p:ext>
+    </p:extLst>
+  </p:cSld>
+  <p:clrMapOvr>
+    <a:masterClrMapping/>
+  </p:clrMapOvr>
+</p:sld>
+</file>
+
+<file path=ppt/slides/slide9.xml><?xml version="1.0" encoding="utf-8"?>
+<p:sld xmlns:a="http://schemas.openxmlformats.org/drawingml/2006/main" xmlns:r="http://schemas.openxmlformats.org/officeDocument/2006/relationships" xmlns:p="http://schemas.openxmlformats.org/presentationml/2006/main">
+  <p:cSld>
+    <p:spTree>
+      <p:nvGrpSpPr>
+        <p:cNvPr id="1" name=""/>
+        <p:cNvGrpSpPr/>
+        <p:nvPr/>
+      </p:nvGrpSpPr>
+      <p:grpSpPr>
+        <a:xfrm>
+          <a:off x="0" y="0"/>
+          <a:ext cx="0" cy="0"/>
+          <a:chOff x="0" y="0"/>
+          <a:chExt cx="0" cy="0"/>
+        </a:xfrm>
+      </p:grpSpPr>
+      <p:sp>
+        <p:nvSpPr>
+          <p:cNvPr id="2" name="Title 1"/>
+          <p:cNvSpPr>
+            <a:spLocks noGrp="1"/>
+          </p:cNvSpPr>
+          <p:nvPr>
+            <p:ph type="title"/>
+          </p:nvPr>
+        </p:nvSpPr>
+        <p:spPr/>
+        <p:txBody>
+          <a:bodyPr/>
+          <a:lstStyle/>
+          <a:p>
+            <a:r>
+              <a:rPr lang="en-GB" dirty="0"/>
+              <a:t>Further Steps</a:t>
+            </a:r>
+          </a:p>
+        </p:txBody>
+      </p:sp>
+      <p:sp>
+        <p:nvSpPr>
+          <p:cNvPr id="3" name="Content Placeholder 2"/>
+          <p:cNvSpPr>
+            <a:spLocks noGrp="1"/>
+          </p:cNvSpPr>
+          <p:nvPr>
+            <p:ph idx="1"/>
+          </p:nvPr>
+        </p:nvSpPr>
+        <p:spPr/>
+        <p:txBody>
+          <a:bodyPr/>
+          <a:lstStyle/>
+          <a:p>
+            <a:r>
+              <a:rPr lang="en-GB" dirty="0"/>
+              <a:t>Composition of Navigation Methods</a:t>
+            </a:r>
+          </a:p>
+          <a:p>
+            <a:r>
+              <a:rPr lang="en-GB" dirty="0"/>
+              <a:t>Teleportation – by Simon Marcin</a:t>
+            </a:r>
+          </a:p>
+          <a:p>
+            <a:r>
+              <a:rPr lang="en-GB" dirty="0"/>
+              <a:t>Deceleration when close to walls and obstacles</a:t>
+            </a:r>
+          </a:p>
+          <a:p>
+            <a:endParaRPr lang="en-GB" dirty="0"/>
+          </a:p>
+        </p:txBody>
+      </p:sp>
+    </p:spTree>
+    <p:extLst>
+      <p:ext uri="{BB962C8B-B14F-4D97-AF65-F5344CB8AC3E}">
+        <p14:creationId xmlns:p14="http://schemas.microsoft.com/office/powerpoint/2010/main" val="2671499536"/>
       </p:ext>
     </p:extLst>
   </p:cSld>
